--- a/ppt 16-9/0257.耶稣复活.pptx
+++ b/ppt 16-9/0257.耶稣复活.pptx
@@ -129,7 +129,7 @@
           <p:cNvPr id="2" name="标题 1">
             <a:extLst>
               <a:ext uri="{FF2B5EF4-FFF2-40B4-BE49-F238E27FC236}">
-                <a16:creationId xmlns:a16="http://schemas.microsoft.com/office/drawing/2014/main" id="{BE5A0725-74F0-D9FB-1A89-520EC573DB8F}"/>
+                <a16:creationId xmlns:a16="http://schemas.microsoft.com/office/drawing/2014/main" id="{64AB43F0-A6B0-A9C5-3FD5-39E8FCC3762E}"/>
               </a:ext>
             </a:extLst>
           </p:cNvPr>
@@ -166,7 +166,7 @@
           <p:cNvPr id="3" name="副标题 2">
             <a:extLst>
               <a:ext uri="{FF2B5EF4-FFF2-40B4-BE49-F238E27FC236}">
-                <a16:creationId xmlns:a16="http://schemas.microsoft.com/office/drawing/2014/main" id="{D61CF7C6-7BF6-2553-0A17-65A6ABCE586E}"/>
+                <a16:creationId xmlns:a16="http://schemas.microsoft.com/office/drawing/2014/main" id="{3EE16C51-0A9E-D8AA-B692-8DAB54829C4B}"/>
               </a:ext>
             </a:extLst>
           </p:cNvPr>
@@ -236,7 +236,7 @@
           <p:cNvPr id="4" name="日期占位符 3">
             <a:extLst>
               <a:ext uri="{FF2B5EF4-FFF2-40B4-BE49-F238E27FC236}">
-                <a16:creationId xmlns:a16="http://schemas.microsoft.com/office/drawing/2014/main" id="{539038D9-7951-EEA2-838D-D44838E2C0F1}"/>
+                <a16:creationId xmlns:a16="http://schemas.microsoft.com/office/drawing/2014/main" id="{8BD9EEB4-24D8-2721-2603-D059F7179F7C}"/>
               </a:ext>
             </a:extLst>
           </p:cNvPr>
@@ -252,7 +252,7 @@
           <a:bodyPr/>
           <a:lstStyle/>
           <a:p>
-            <a:fld id="{3BC6E5C0-0F85-4A01-B6F5-4A7DEC14C8BA}" type="datetimeFigureOut">
+            <a:fld id="{60019F77-1825-45EB-9F6F-B5852D060E99}" type="datetimeFigureOut">
               <a:rPr lang="zh-CN" altLang="en-US" smtClean="0"/>
               <a:t>2024/3/10</a:t>
             </a:fld>
@@ -265,7 +265,7 @@
           <p:cNvPr id="5" name="页脚占位符 4">
             <a:extLst>
               <a:ext uri="{FF2B5EF4-FFF2-40B4-BE49-F238E27FC236}">
-                <a16:creationId xmlns:a16="http://schemas.microsoft.com/office/drawing/2014/main" id="{F54B942C-2B94-B462-703C-35958627A0CC}"/>
+                <a16:creationId xmlns:a16="http://schemas.microsoft.com/office/drawing/2014/main" id="{B78B3ED8-CC3D-EF58-B4FC-16C2EE4F6DD8}"/>
               </a:ext>
             </a:extLst>
           </p:cNvPr>
@@ -290,7 +290,7 @@
           <p:cNvPr id="6" name="灯片编号占位符 5">
             <a:extLst>
               <a:ext uri="{FF2B5EF4-FFF2-40B4-BE49-F238E27FC236}">
-                <a16:creationId xmlns:a16="http://schemas.microsoft.com/office/drawing/2014/main" id="{EE7D066F-D4AC-C575-1F4B-6BC3E2EDA20C}"/>
+                <a16:creationId xmlns:a16="http://schemas.microsoft.com/office/drawing/2014/main" id="{89B388B7-495E-A0A3-F60A-B06BE731BFE7}"/>
               </a:ext>
             </a:extLst>
           </p:cNvPr>
@@ -306,7 +306,7 @@
           <a:bodyPr/>
           <a:lstStyle/>
           <a:p>
-            <a:fld id="{FDA0E7C7-148B-4D8F-9251-0753C98D5BE6}" type="slidenum">
+            <a:fld id="{574B09F1-40CC-4D80-B9D2-26AB1B30DBB3}" type="slidenum">
               <a:rPr lang="zh-CN" altLang="en-US" smtClean="0"/>
               <a:t>‹#›</a:t>
             </a:fld>
@@ -317,7 +317,7 @@
     </p:spTree>
     <p:extLst>
       <p:ext uri="{BB962C8B-B14F-4D97-AF65-F5344CB8AC3E}">
-        <p14:creationId xmlns:p14="http://schemas.microsoft.com/office/powerpoint/2010/main" val="3867604369"/>
+        <p14:creationId xmlns:p14="http://schemas.microsoft.com/office/powerpoint/2010/main" val="2284438601"/>
       </p:ext>
     </p:extLst>
   </p:cSld>
@@ -349,7 +349,7 @@
           <p:cNvPr id="2" name="标题 1">
             <a:extLst>
               <a:ext uri="{FF2B5EF4-FFF2-40B4-BE49-F238E27FC236}">
-                <a16:creationId xmlns:a16="http://schemas.microsoft.com/office/drawing/2014/main" id="{A15A8EB2-B88E-2DD4-FEBE-79D1CF7A4E01}"/>
+                <a16:creationId xmlns:a16="http://schemas.microsoft.com/office/drawing/2014/main" id="{348E811B-8F07-F89C-B001-1B988FC054D0}"/>
               </a:ext>
             </a:extLst>
           </p:cNvPr>
@@ -377,7 +377,7 @@
           <p:cNvPr id="3" name="竖排文字占位符 2">
             <a:extLst>
               <a:ext uri="{FF2B5EF4-FFF2-40B4-BE49-F238E27FC236}">
-                <a16:creationId xmlns:a16="http://schemas.microsoft.com/office/drawing/2014/main" id="{AA93F13E-3CF0-A4AF-D5E6-B44CBF021B1E}"/>
+                <a16:creationId xmlns:a16="http://schemas.microsoft.com/office/drawing/2014/main" id="{A5424D7A-14CB-A6F9-651E-F2B2A3F386B1}"/>
               </a:ext>
             </a:extLst>
           </p:cNvPr>
@@ -434,7 +434,7 @@
           <p:cNvPr id="4" name="日期占位符 3">
             <a:extLst>
               <a:ext uri="{FF2B5EF4-FFF2-40B4-BE49-F238E27FC236}">
-                <a16:creationId xmlns:a16="http://schemas.microsoft.com/office/drawing/2014/main" id="{E465FFB4-567D-2924-274F-82DFC7E5384E}"/>
+                <a16:creationId xmlns:a16="http://schemas.microsoft.com/office/drawing/2014/main" id="{58729740-BF86-EAE4-1811-491F14C409D5}"/>
               </a:ext>
             </a:extLst>
           </p:cNvPr>
@@ -450,7 +450,7 @@
           <a:bodyPr/>
           <a:lstStyle/>
           <a:p>
-            <a:fld id="{3BC6E5C0-0F85-4A01-B6F5-4A7DEC14C8BA}" type="datetimeFigureOut">
+            <a:fld id="{60019F77-1825-45EB-9F6F-B5852D060E99}" type="datetimeFigureOut">
               <a:rPr lang="zh-CN" altLang="en-US" smtClean="0"/>
               <a:t>2024/3/10</a:t>
             </a:fld>
@@ -463,7 +463,7 @@
           <p:cNvPr id="5" name="页脚占位符 4">
             <a:extLst>
               <a:ext uri="{FF2B5EF4-FFF2-40B4-BE49-F238E27FC236}">
-                <a16:creationId xmlns:a16="http://schemas.microsoft.com/office/drawing/2014/main" id="{43B9C23C-95E9-7AE4-D3FF-D22E3E317B29}"/>
+                <a16:creationId xmlns:a16="http://schemas.microsoft.com/office/drawing/2014/main" id="{2A32C383-445B-F0BB-81DF-A1ACA1CCE97E}"/>
               </a:ext>
             </a:extLst>
           </p:cNvPr>
@@ -488,7 +488,7 @@
           <p:cNvPr id="6" name="灯片编号占位符 5">
             <a:extLst>
               <a:ext uri="{FF2B5EF4-FFF2-40B4-BE49-F238E27FC236}">
-                <a16:creationId xmlns:a16="http://schemas.microsoft.com/office/drawing/2014/main" id="{695DBBFE-2CD3-6145-31D2-19289AE56BF3}"/>
+                <a16:creationId xmlns:a16="http://schemas.microsoft.com/office/drawing/2014/main" id="{31124210-3B53-69A5-DE03-0EACD2DD1478}"/>
               </a:ext>
             </a:extLst>
           </p:cNvPr>
@@ -504,7 +504,7 @@
           <a:bodyPr/>
           <a:lstStyle/>
           <a:p>
-            <a:fld id="{FDA0E7C7-148B-4D8F-9251-0753C98D5BE6}" type="slidenum">
+            <a:fld id="{574B09F1-40CC-4D80-B9D2-26AB1B30DBB3}" type="slidenum">
               <a:rPr lang="zh-CN" altLang="en-US" smtClean="0"/>
               <a:t>‹#›</a:t>
             </a:fld>
@@ -515,7 +515,7 @@
     </p:spTree>
     <p:extLst>
       <p:ext uri="{BB962C8B-B14F-4D97-AF65-F5344CB8AC3E}">
-        <p14:creationId xmlns:p14="http://schemas.microsoft.com/office/powerpoint/2010/main" val="2564045494"/>
+        <p14:creationId xmlns:p14="http://schemas.microsoft.com/office/powerpoint/2010/main" val="2027826676"/>
       </p:ext>
     </p:extLst>
   </p:cSld>
@@ -547,7 +547,7 @@
           <p:cNvPr id="2" name="竖排标题 1">
             <a:extLst>
               <a:ext uri="{FF2B5EF4-FFF2-40B4-BE49-F238E27FC236}">
-                <a16:creationId xmlns:a16="http://schemas.microsoft.com/office/drawing/2014/main" id="{01F565B7-EC4F-CE3F-E2B0-211E804F319D}"/>
+                <a16:creationId xmlns:a16="http://schemas.microsoft.com/office/drawing/2014/main" id="{247609D9-EA82-3E5A-978E-5350216FFF47}"/>
               </a:ext>
             </a:extLst>
           </p:cNvPr>
@@ -580,7 +580,7 @@
           <p:cNvPr id="3" name="竖排文字占位符 2">
             <a:extLst>
               <a:ext uri="{FF2B5EF4-FFF2-40B4-BE49-F238E27FC236}">
-                <a16:creationId xmlns:a16="http://schemas.microsoft.com/office/drawing/2014/main" id="{99244B9E-3FF5-4EF4-CD2A-E363E3D2BAEC}"/>
+                <a16:creationId xmlns:a16="http://schemas.microsoft.com/office/drawing/2014/main" id="{7A77926E-52C9-0D57-6377-1A1B71552D23}"/>
               </a:ext>
             </a:extLst>
           </p:cNvPr>
@@ -642,7 +642,7 @@
           <p:cNvPr id="4" name="日期占位符 3">
             <a:extLst>
               <a:ext uri="{FF2B5EF4-FFF2-40B4-BE49-F238E27FC236}">
-                <a16:creationId xmlns:a16="http://schemas.microsoft.com/office/drawing/2014/main" id="{E71D8C5D-3BA3-FE3D-6C14-7701B0CEE372}"/>
+                <a16:creationId xmlns:a16="http://schemas.microsoft.com/office/drawing/2014/main" id="{B0AAA50F-CF24-AEF4-5E65-7DB24E307EC0}"/>
               </a:ext>
             </a:extLst>
           </p:cNvPr>
@@ -658,7 +658,7 @@
           <a:bodyPr/>
           <a:lstStyle/>
           <a:p>
-            <a:fld id="{3BC6E5C0-0F85-4A01-B6F5-4A7DEC14C8BA}" type="datetimeFigureOut">
+            <a:fld id="{60019F77-1825-45EB-9F6F-B5852D060E99}" type="datetimeFigureOut">
               <a:rPr lang="zh-CN" altLang="en-US" smtClean="0"/>
               <a:t>2024/3/10</a:t>
             </a:fld>
@@ -671,7 +671,7 @@
           <p:cNvPr id="5" name="页脚占位符 4">
             <a:extLst>
               <a:ext uri="{FF2B5EF4-FFF2-40B4-BE49-F238E27FC236}">
-                <a16:creationId xmlns:a16="http://schemas.microsoft.com/office/drawing/2014/main" id="{6815609A-5C93-6BDA-9CD0-321EEA812513}"/>
+                <a16:creationId xmlns:a16="http://schemas.microsoft.com/office/drawing/2014/main" id="{751BB60D-C053-86E1-CC54-E8F0A4982C69}"/>
               </a:ext>
             </a:extLst>
           </p:cNvPr>
@@ -696,7 +696,7 @@
           <p:cNvPr id="6" name="灯片编号占位符 5">
             <a:extLst>
               <a:ext uri="{FF2B5EF4-FFF2-40B4-BE49-F238E27FC236}">
-                <a16:creationId xmlns:a16="http://schemas.microsoft.com/office/drawing/2014/main" id="{52A4E085-394C-0B7A-CE6E-BADE4F080F10}"/>
+                <a16:creationId xmlns:a16="http://schemas.microsoft.com/office/drawing/2014/main" id="{B507ABA4-A196-867A-F479-5F206AF5514E}"/>
               </a:ext>
             </a:extLst>
           </p:cNvPr>
@@ -712,7 +712,7 @@
           <a:bodyPr/>
           <a:lstStyle/>
           <a:p>
-            <a:fld id="{FDA0E7C7-148B-4D8F-9251-0753C98D5BE6}" type="slidenum">
+            <a:fld id="{574B09F1-40CC-4D80-B9D2-26AB1B30DBB3}" type="slidenum">
               <a:rPr lang="zh-CN" altLang="en-US" smtClean="0"/>
               <a:t>‹#›</a:t>
             </a:fld>
@@ -723,7 +723,7 @@
     </p:spTree>
     <p:extLst>
       <p:ext uri="{BB962C8B-B14F-4D97-AF65-F5344CB8AC3E}">
-        <p14:creationId xmlns:p14="http://schemas.microsoft.com/office/powerpoint/2010/main" val="36250145"/>
+        <p14:creationId xmlns:p14="http://schemas.microsoft.com/office/powerpoint/2010/main" val="935182302"/>
       </p:ext>
     </p:extLst>
   </p:cSld>
@@ -755,7 +755,7 @@
           <p:cNvPr id="2" name="标题 1">
             <a:extLst>
               <a:ext uri="{FF2B5EF4-FFF2-40B4-BE49-F238E27FC236}">
-                <a16:creationId xmlns:a16="http://schemas.microsoft.com/office/drawing/2014/main" id="{A0D183ED-AC51-089B-6EDD-4CF0CF829ECC}"/>
+                <a16:creationId xmlns:a16="http://schemas.microsoft.com/office/drawing/2014/main" id="{44A1C2C8-3379-013D-555F-A84E7626C3BC}"/>
               </a:ext>
             </a:extLst>
           </p:cNvPr>
@@ -783,7 +783,7 @@
           <p:cNvPr id="3" name="内容占位符 2">
             <a:extLst>
               <a:ext uri="{FF2B5EF4-FFF2-40B4-BE49-F238E27FC236}">
-                <a16:creationId xmlns:a16="http://schemas.microsoft.com/office/drawing/2014/main" id="{2ECF0CF3-D570-D8FD-72BB-CD90722D39E8}"/>
+                <a16:creationId xmlns:a16="http://schemas.microsoft.com/office/drawing/2014/main" id="{F9171830-BBC8-3417-8A98-E480C838B9F7}"/>
               </a:ext>
             </a:extLst>
           </p:cNvPr>
@@ -840,7 +840,7 @@
           <p:cNvPr id="4" name="日期占位符 3">
             <a:extLst>
               <a:ext uri="{FF2B5EF4-FFF2-40B4-BE49-F238E27FC236}">
-                <a16:creationId xmlns:a16="http://schemas.microsoft.com/office/drawing/2014/main" id="{2813C179-A17D-E4E7-3024-C72748EA8E35}"/>
+                <a16:creationId xmlns:a16="http://schemas.microsoft.com/office/drawing/2014/main" id="{16449717-AC77-B6F2-ABFD-C3FCB6DAF336}"/>
               </a:ext>
             </a:extLst>
           </p:cNvPr>
@@ -856,7 +856,7 @@
           <a:bodyPr/>
           <a:lstStyle/>
           <a:p>
-            <a:fld id="{3BC6E5C0-0F85-4A01-B6F5-4A7DEC14C8BA}" type="datetimeFigureOut">
+            <a:fld id="{60019F77-1825-45EB-9F6F-B5852D060E99}" type="datetimeFigureOut">
               <a:rPr lang="zh-CN" altLang="en-US" smtClean="0"/>
               <a:t>2024/3/10</a:t>
             </a:fld>
@@ -869,7 +869,7 @@
           <p:cNvPr id="5" name="页脚占位符 4">
             <a:extLst>
               <a:ext uri="{FF2B5EF4-FFF2-40B4-BE49-F238E27FC236}">
-                <a16:creationId xmlns:a16="http://schemas.microsoft.com/office/drawing/2014/main" id="{4C63DCE2-28F2-755A-3F37-7E95B5A6EA4E}"/>
+                <a16:creationId xmlns:a16="http://schemas.microsoft.com/office/drawing/2014/main" id="{2940622A-78B7-F5E6-ECD7-7961611AFA4F}"/>
               </a:ext>
             </a:extLst>
           </p:cNvPr>
@@ -894,7 +894,7 @@
           <p:cNvPr id="6" name="灯片编号占位符 5">
             <a:extLst>
               <a:ext uri="{FF2B5EF4-FFF2-40B4-BE49-F238E27FC236}">
-                <a16:creationId xmlns:a16="http://schemas.microsoft.com/office/drawing/2014/main" id="{C77D603F-EC75-8BEA-9A54-3D0D612F886A}"/>
+                <a16:creationId xmlns:a16="http://schemas.microsoft.com/office/drawing/2014/main" id="{7B7BE2B4-3553-9317-E419-D22A3A7C07C2}"/>
               </a:ext>
             </a:extLst>
           </p:cNvPr>
@@ -910,7 +910,7 @@
           <a:bodyPr/>
           <a:lstStyle/>
           <a:p>
-            <a:fld id="{FDA0E7C7-148B-4D8F-9251-0753C98D5BE6}" type="slidenum">
+            <a:fld id="{574B09F1-40CC-4D80-B9D2-26AB1B30DBB3}" type="slidenum">
               <a:rPr lang="zh-CN" altLang="en-US" smtClean="0"/>
               <a:t>‹#›</a:t>
             </a:fld>
@@ -921,7 +921,7 @@
     </p:spTree>
     <p:extLst>
       <p:ext uri="{BB962C8B-B14F-4D97-AF65-F5344CB8AC3E}">
-        <p14:creationId xmlns:p14="http://schemas.microsoft.com/office/powerpoint/2010/main" val="3921503187"/>
+        <p14:creationId xmlns:p14="http://schemas.microsoft.com/office/powerpoint/2010/main" val="869233633"/>
       </p:ext>
     </p:extLst>
   </p:cSld>
@@ -953,7 +953,7 @@
           <p:cNvPr id="2" name="标题 1">
             <a:extLst>
               <a:ext uri="{FF2B5EF4-FFF2-40B4-BE49-F238E27FC236}">
-                <a16:creationId xmlns:a16="http://schemas.microsoft.com/office/drawing/2014/main" id="{B8C6D25D-8745-A1E0-B040-ED3331EE3CDB}"/>
+                <a16:creationId xmlns:a16="http://schemas.microsoft.com/office/drawing/2014/main" id="{8991C297-4641-B2AB-A14C-A932CF97BCFF}"/>
               </a:ext>
             </a:extLst>
           </p:cNvPr>
@@ -990,7 +990,7 @@
           <p:cNvPr id="3" name="文本占位符 2">
             <a:extLst>
               <a:ext uri="{FF2B5EF4-FFF2-40B4-BE49-F238E27FC236}">
-                <a16:creationId xmlns:a16="http://schemas.microsoft.com/office/drawing/2014/main" id="{8A16D807-4F14-9A70-E236-88AADF5B16CD}"/>
+                <a16:creationId xmlns:a16="http://schemas.microsoft.com/office/drawing/2014/main" id="{A7684CB0-B8D2-AE0B-E341-C4EFAA7C072C}"/>
               </a:ext>
             </a:extLst>
           </p:cNvPr>
@@ -1115,7 +1115,7 @@
           <p:cNvPr id="4" name="日期占位符 3">
             <a:extLst>
               <a:ext uri="{FF2B5EF4-FFF2-40B4-BE49-F238E27FC236}">
-                <a16:creationId xmlns:a16="http://schemas.microsoft.com/office/drawing/2014/main" id="{5681A244-9AFF-1A4B-8924-30C7DE685011}"/>
+                <a16:creationId xmlns:a16="http://schemas.microsoft.com/office/drawing/2014/main" id="{EE9A4C66-28F4-5B7D-7E8E-5C75D447B2A3}"/>
               </a:ext>
             </a:extLst>
           </p:cNvPr>
@@ -1131,7 +1131,7 @@
           <a:bodyPr/>
           <a:lstStyle/>
           <a:p>
-            <a:fld id="{3BC6E5C0-0F85-4A01-B6F5-4A7DEC14C8BA}" type="datetimeFigureOut">
+            <a:fld id="{60019F77-1825-45EB-9F6F-B5852D060E99}" type="datetimeFigureOut">
               <a:rPr lang="zh-CN" altLang="en-US" smtClean="0"/>
               <a:t>2024/3/10</a:t>
             </a:fld>
@@ -1144,7 +1144,7 @@
           <p:cNvPr id="5" name="页脚占位符 4">
             <a:extLst>
               <a:ext uri="{FF2B5EF4-FFF2-40B4-BE49-F238E27FC236}">
-                <a16:creationId xmlns:a16="http://schemas.microsoft.com/office/drawing/2014/main" id="{E654F73E-A09A-EB28-2121-A27233F66BE9}"/>
+                <a16:creationId xmlns:a16="http://schemas.microsoft.com/office/drawing/2014/main" id="{AAD7FFC3-2363-0CB0-7C1A-C166E646D299}"/>
               </a:ext>
             </a:extLst>
           </p:cNvPr>
@@ -1169,7 +1169,7 @@
           <p:cNvPr id="6" name="灯片编号占位符 5">
             <a:extLst>
               <a:ext uri="{FF2B5EF4-FFF2-40B4-BE49-F238E27FC236}">
-                <a16:creationId xmlns:a16="http://schemas.microsoft.com/office/drawing/2014/main" id="{3A6C8761-5AF7-FAB0-17C0-99162056F875}"/>
+                <a16:creationId xmlns:a16="http://schemas.microsoft.com/office/drawing/2014/main" id="{A71D5C72-BCBA-800E-8740-F588AB1B37C4}"/>
               </a:ext>
             </a:extLst>
           </p:cNvPr>
@@ -1185,7 +1185,7 @@
           <a:bodyPr/>
           <a:lstStyle/>
           <a:p>
-            <a:fld id="{FDA0E7C7-148B-4D8F-9251-0753C98D5BE6}" type="slidenum">
+            <a:fld id="{574B09F1-40CC-4D80-B9D2-26AB1B30DBB3}" type="slidenum">
               <a:rPr lang="zh-CN" altLang="en-US" smtClean="0"/>
               <a:t>‹#›</a:t>
             </a:fld>
@@ -1196,7 +1196,7 @@
     </p:spTree>
     <p:extLst>
       <p:ext uri="{BB962C8B-B14F-4D97-AF65-F5344CB8AC3E}">
-        <p14:creationId xmlns:p14="http://schemas.microsoft.com/office/powerpoint/2010/main" val="80932402"/>
+        <p14:creationId xmlns:p14="http://schemas.microsoft.com/office/powerpoint/2010/main" val="3252939596"/>
       </p:ext>
     </p:extLst>
   </p:cSld>
@@ -1228,7 +1228,7 @@
           <p:cNvPr id="2" name="标题 1">
             <a:extLst>
               <a:ext uri="{FF2B5EF4-FFF2-40B4-BE49-F238E27FC236}">
-                <a16:creationId xmlns:a16="http://schemas.microsoft.com/office/drawing/2014/main" id="{E3EC5D76-0671-DF7B-D52C-0E177C583D1F}"/>
+                <a16:creationId xmlns:a16="http://schemas.microsoft.com/office/drawing/2014/main" id="{D5F14D6A-1047-901D-D74F-8CB0482C48A8}"/>
               </a:ext>
             </a:extLst>
           </p:cNvPr>
@@ -1256,7 +1256,7 @@
           <p:cNvPr id="3" name="内容占位符 2">
             <a:extLst>
               <a:ext uri="{FF2B5EF4-FFF2-40B4-BE49-F238E27FC236}">
-                <a16:creationId xmlns:a16="http://schemas.microsoft.com/office/drawing/2014/main" id="{FD291964-7EAC-5F27-027E-942C3FCB9E12}"/>
+                <a16:creationId xmlns:a16="http://schemas.microsoft.com/office/drawing/2014/main" id="{ABAE9495-7932-1A36-B126-CDF555A9B058}"/>
               </a:ext>
             </a:extLst>
           </p:cNvPr>
@@ -1318,7 +1318,7 @@
           <p:cNvPr id="4" name="内容占位符 3">
             <a:extLst>
               <a:ext uri="{FF2B5EF4-FFF2-40B4-BE49-F238E27FC236}">
-                <a16:creationId xmlns:a16="http://schemas.microsoft.com/office/drawing/2014/main" id="{75533F35-DEA5-6337-393A-E9428C4BAD8D}"/>
+                <a16:creationId xmlns:a16="http://schemas.microsoft.com/office/drawing/2014/main" id="{0FA885AB-21B2-E65C-CED6-F8E7F9745FE3}"/>
               </a:ext>
             </a:extLst>
           </p:cNvPr>
@@ -1380,7 +1380,7 @@
           <p:cNvPr id="5" name="日期占位符 4">
             <a:extLst>
               <a:ext uri="{FF2B5EF4-FFF2-40B4-BE49-F238E27FC236}">
-                <a16:creationId xmlns:a16="http://schemas.microsoft.com/office/drawing/2014/main" id="{3952B607-4EC4-DBC3-24F8-86CD51696BE5}"/>
+                <a16:creationId xmlns:a16="http://schemas.microsoft.com/office/drawing/2014/main" id="{F585D68C-36BB-CD0F-CB7F-06177FAE8995}"/>
               </a:ext>
             </a:extLst>
           </p:cNvPr>
@@ -1396,7 +1396,7 @@
           <a:bodyPr/>
           <a:lstStyle/>
           <a:p>
-            <a:fld id="{3BC6E5C0-0F85-4A01-B6F5-4A7DEC14C8BA}" type="datetimeFigureOut">
+            <a:fld id="{60019F77-1825-45EB-9F6F-B5852D060E99}" type="datetimeFigureOut">
               <a:rPr lang="zh-CN" altLang="en-US" smtClean="0"/>
               <a:t>2024/3/10</a:t>
             </a:fld>
@@ -1409,7 +1409,7 @@
           <p:cNvPr id="6" name="页脚占位符 5">
             <a:extLst>
               <a:ext uri="{FF2B5EF4-FFF2-40B4-BE49-F238E27FC236}">
-                <a16:creationId xmlns:a16="http://schemas.microsoft.com/office/drawing/2014/main" id="{EE444528-9E6E-C04B-7DD2-28330EE33968}"/>
+                <a16:creationId xmlns:a16="http://schemas.microsoft.com/office/drawing/2014/main" id="{AB23E68A-1A8A-899F-13E2-D19826133CD9}"/>
               </a:ext>
             </a:extLst>
           </p:cNvPr>
@@ -1434,7 +1434,7 @@
           <p:cNvPr id="7" name="灯片编号占位符 6">
             <a:extLst>
               <a:ext uri="{FF2B5EF4-FFF2-40B4-BE49-F238E27FC236}">
-                <a16:creationId xmlns:a16="http://schemas.microsoft.com/office/drawing/2014/main" id="{EBC3F566-48D4-B922-C8F4-C1B582C7DEB4}"/>
+                <a16:creationId xmlns:a16="http://schemas.microsoft.com/office/drawing/2014/main" id="{DFF3D5E0-FDB2-478A-0357-CAE881BE505F}"/>
               </a:ext>
             </a:extLst>
           </p:cNvPr>
@@ -1450,7 +1450,7 @@
           <a:bodyPr/>
           <a:lstStyle/>
           <a:p>
-            <a:fld id="{FDA0E7C7-148B-4D8F-9251-0753C98D5BE6}" type="slidenum">
+            <a:fld id="{574B09F1-40CC-4D80-B9D2-26AB1B30DBB3}" type="slidenum">
               <a:rPr lang="zh-CN" altLang="en-US" smtClean="0"/>
               <a:t>‹#›</a:t>
             </a:fld>
@@ -1461,7 +1461,7 @@
     </p:spTree>
     <p:extLst>
       <p:ext uri="{BB962C8B-B14F-4D97-AF65-F5344CB8AC3E}">
-        <p14:creationId xmlns:p14="http://schemas.microsoft.com/office/powerpoint/2010/main" val="1145814224"/>
+        <p14:creationId xmlns:p14="http://schemas.microsoft.com/office/powerpoint/2010/main" val="2832380172"/>
       </p:ext>
     </p:extLst>
   </p:cSld>
@@ -1493,7 +1493,7 @@
           <p:cNvPr id="2" name="标题 1">
             <a:extLst>
               <a:ext uri="{FF2B5EF4-FFF2-40B4-BE49-F238E27FC236}">
-                <a16:creationId xmlns:a16="http://schemas.microsoft.com/office/drawing/2014/main" id="{6ABAAA1F-31CF-7B13-D87B-8CCC1AAA92AA}"/>
+                <a16:creationId xmlns:a16="http://schemas.microsoft.com/office/drawing/2014/main" id="{286BB78A-2975-4AEF-6CBB-05CB9DEB0148}"/>
               </a:ext>
             </a:extLst>
           </p:cNvPr>
@@ -1526,7 +1526,7 @@
           <p:cNvPr id="3" name="文本占位符 2">
             <a:extLst>
               <a:ext uri="{FF2B5EF4-FFF2-40B4-BE49-F238E27FC236}">
-                <a16:creationId xmlns:a16="http://schemas.microsoft.com/office/drawing/2014/main" id="{6A73E0F5-B93F-E41F-ED7D-0F88BCD99451}"/>
+                <a16:creationId xmlns:a16="http://schemas.microsoft.com/office/drawing/2014/main" id="{BBF55E7B-75A2-D29C-3171-CBBDD397A9D2}"/>
               </a:ext>
             </a:extLst>
           </p:cNvPr>
@@ -1597,7 +1597,7 @@
           <p:cNvPr id="4" name="内容占位符 3">
             <a:extLst>
               <a:ext uri="{FF2B5EF4-FFF2-40B4-BE49-F238E27FC236}">
-                <a16:creationId xmlns:a16="http://schemas.microsoft.com/office/drawing/2014/main" id="{110FADB9-BCC2-7C11-8844-18CFF7AFD02B}"/>
+                <a16:creationId xmlns:a16="http://schemas.microsoft.com/office/drawing/2014/main" id="{24A4C8CD-18BF-EA9D-059F-E9DD928CD86A}"/>
               </a:ext>
             </a:extLst>
           </p:cNvPr>
@@ -1659,7 +1659,7 @@
           <p:cNvPr id="5" name="文本占位符 4">
             <a:extLst>
               <a:ext uri="{FF2B5EF4-FFF2-40B4-BE49-F238E27FC236}">
-                <a16:creationId xmlns:a16="http://schemas.microsoft.com/office/drawing/2014/main" id="{538AEFBF-F52B-EDDF-19C9-5C7B0B9D9162}"/>
+                <a16:creationId xmlns:a16="http://schemas.microsoft.com/office/drawing/2014/main" id="{4A7F6EE5-436B-5D37-C1F7-623D735411A3}"/>
               </a:ext>
             </a:extLst>
           </p:cNvPr>
@@ -1730,7 +1730,7 @@
           <p:cNvPr id="6" name="内容占位符 5">
             <a:extLst>
               <a:ext uri="{FF2B5EF4-FFF2-40B4-BE49-F238E27FC236}">
-                <a16:creationId xmlns:a16="http://schemas.microsoft.com/office/drawing/2014/main" id="{4F646BFD-46C8-3EC4-4145-30113F1A7544}"/>
+                <a16:creationId xmlns:a16="http://schemas.microsoft.com/office/drawing/2014/main" id="{D79C4FCF-5C8A-E3BC-4905-C893D05B09A7}"/>
               </a:ext>
             </a:extLst>
           </p:cNvPr>
@@ -1792,7 +1792,7 @@
           <p:cNvPr id="7" name="日期占位符 6">
             <a:extLst>
               <a:ext uri="{FF2B5EF4-FFF2-40B4-BE49-F238E27FC236}">
-                <a16:creationId xmlns:a16="http://schemas.microsoft.com/office/drawing/2014/main" id="{F1A302E3-0985-DC5A-DBC8-120A09112940}"/>
+                <a16:creationId xmlns:a16="http://schemas.microsoft.com/office/drawing/2014/main" id="{2561518E-E1CD-5D34-9A27-42E9C8649719}"/>
               </a:ext>
             </a:extLst>
           </p:cNvPr>
@@ -1808,7 +1808,7 @@
           <a:bodyPr/>
           <a:lstStyle/>
           <a:p>
-            <a:fld id="{3BC6E5C0-0F85-4A01-B6F5-4A7DEC14C8BA}" type="datetimeFigureOut">
+            <a:fld id="{60019F77-1825-45EB-9F6F-B5852D060E99}" type="datetimeFigureOut">
               <a:rPr lang="zh-CN" altLang="en-US" smtClean="0"/>
               <a:t>2024/3/10</a:t>
             </a:fld>
@@ -1821,7 +1821,7 @@
           <p:cNvPr id="8" name="页脚占位符 7">
             <a:extLst>
               <a:ext uri="{FF2B5EF4-FFF2-40B4-BE49-F238E27FC236}">
-                <a16:creationId xmlns:a16="http://schemas.microsoft.com/office/drawing/2014/main" id="{D40A63BD-700E-BF26-49D7-F0B40B62EE8D}"/>
+                <a16:creationId xmlns:a16="http://schemas.microsoft.com/office/drawing/2014/main" id="{9DB58D6C-191D-4B98-6416-126A22153E1E}"/>
               </a:ext>
             </a:extLst>
           </p:cNvPr>
@@ -1846,7 +1846,7 @@
           <p:cNvPr id="9" name="灯片编号占位符 8">
             <a:extLst>
               <a:ext uri="{FF2B5EF4-FFF2-40B4-BE49-F238E27FC236}">
-                <a16:creationId xmlns:a16="http://schemas.microsoft.com/office/drawing/2014/main" id="{4295F4C9-499F-36BD-0224-C4A307A6DFDA}"/>
+                <a16:creationId xmlns:a16="http://schemas.microsoft.com/office/drawing/2014/main" id="{54E80A01-C466-0AFD-A6EB-7514A5586270}"/>
               </a:ext>
             </a:extLst>
           </p:cNvPr>
@@ -1862,7 +1862,7 @@
           <a:bodyPr/>
           <a:lstStyle/>
           <a:p>
-            <a:fld id="{FDA0E7C7-148B-4D8F-9251-0753C98D5BE6}" type="slidenum">
+            <a:fld id="{574B09F1-40CC-4D80-B9D2-26AB1B30DBB3}" type="slidenum">
               <a:rPr lang="zh-CN" altLang="en-US" smtClean="0"/>
               <a:t>‹#›</a:t>
             </a:fld>
@@ -1873,7 +1873,7 @@
     </p:spTree>
     <p:extLst>
       <p:ext uri="{BB962C8B-B14F-4D97-AF65-F5344CB8AC3E}">
-        <p14:creationId xmlns:p14="http://schemas.microsoft.com/office/powerpoint/2010/main" val="1589417009"/>
+        <p14:creationId xmlns:p14="http://schemas.microsoft.com/office/powerpoint/2010/main" val="799679047"/>
       </p:ext>
     </p:extLst>
   </p:cSld>
@@ -1905,7 +1905,7 @@
           <p:cNvPr id="2" name="标题 1">
             <a:extLst>
               <a:ext uri="{FF2B5EF4-FFF2-40B4-BE49-F238E27FC236}">
-                <a16:creationId xmlns:a16="http://schemas.microsoft.com/office/drawing/2014/main" id="{D3C517B3-6608-44AA-3477-833C99E2309D}"/>
+                <a16:creationId xmlns:a16="http://schemas.microsoft.com/office/drawing/2014/main" id="{DF0C3447-657F-C82C-1261-7EB6C529BB02}"/>
               </a:ext>
             </a:extLst>
           </p:cNvPr>
@@ -1933,7 +1933,7 @@
           <p:cNvPr id="3" name="日期占位符 2">
             <a:extLst>
               <a:ext uri="{FF2B5EF4-FFF2-40B4-BE49-F238E27FC236}">
-                <a16:creationId xmlns:a16="http://schemas.microsoft.com/office/drawing/2014/main" id="{4E789181-1331-0823-0228-BF3278725853}"/>
+                <a16:creationId xmlns:a16="http://schemas.microsoft.com/office/drawing/2014/main" id="{2EC8F5BF-2E67-6B00-0D4E-210EEF345251}"/>
               </a:ext>
             </a:extLst>
           </p:cNvPr>
@@ -1949,7 +1949,7 @@
           <a:bodyPr/>
           <a:lstStyle/>
           <a:p>
-            <a:fld id="{3BC6E5C0-0F85-4A01-B6F5-4A7DEC14C8BA}" type="datetimeFigureOut">
+            <a:fld id="{60019F77-1825-45EB-9F6F-B5852D060E99}" type="datetimeFigureOut">
               <a:rPr lang="zh-CN" altLang="en-US" smtClean="0"/>
               <a:t>2024/3/10</a:t>
             </a:fld>
@@ -1962,7 +1962,7 @@
           <p:cNvPr id="4" name="页脚占位符 3">
             <a:extLst>
               <a:ext uri="{FF2B5EF4-FFF2-40B4-BE49-F238E27FC236}">
-                <a16:creationId xmlns:a16="http://schemas.microsoft.com/office/drawing/2014/main" id="{528336CF-E787-4615-119C-E53A8CC0164C}"/>
+                <a16:creationId xmlns:a16="http://schemas.microsoft.com/office/drawing/2014/main" id="{CFD9844A-2355-E718-E193-B54835A9D677}"/>
               </a:ext>
             </a:extLst>
           </p:cNvPr>
@@ -1987,7 +1987,7 @@
           <p:cNvPr id="5" name="灯片编号占位符 4">
             <a:extLst>
               <a:ext uri="{FF2B5EF4-FFF2-40B4-BE49-F238E27FC236}">
-                <a16:creationId xmlns:a16="http://schemas.microsoft.com/office/drawing/2014/main" id="{E221C693-9BA1-9E02-69C3-5D25E0974368}"/>
+                <a16:creationId xmlns:a16="http://schemas.microsoft.com/office/drawing/2014/main" id="{52FDB06D-6F20-6E1E-007F-4F0364816B64}"/>
               </a:ext>
             </a:extLst>
           </p:cNvPr>
@@ -2003,7 +2003,7 @@
           <a:bodyPr/>
           <a:lstStyle/>
           <a:p>
-            <a:fld id="{FDA0E7C7-148B-4D8F-9251-0753C98D5BE6}" type="slidenum">
+            <a:fld id="{574B09F1-40CC-4D80-B9D2-26AB1B30DBB3}" type="slidenum">
               <a:rPr lang="zh-CN" altLang="en-US" smtClean="0"/>
               <a:t>‹#›</a:t>
             </a:fld>
@@ -2014,7 +2014,7 @@
     </p:spTree>
     <p:extLst>
       <p:ext uri="{BB962C8B-B14F-4D97-AF65-F5344CB8AC3E}">
-        <p14:creationId xmlns:p14="http://schemas.microsoft.com/office/powerpoint/2010/main" val="1560592192"/>
+        <p14:creationId xmlns:p14="http://schemas.microsoft.com/office/powerpoint/2010/main" val="1107860393"/>
       </p:ext>
     </p:extLst>
   </p:cSld>
@@ -2046,7 +2046,7 @@
           <p:cNvPr id="2" name="日期占位符 1">
             <a:extLst>
               <a:ext uri="{FF2B5EF4-FFF2-40B4-BE49-F238E27FC236}">
-                <a16:creationId xmlns:a16="http://schemas.microsoft.com/office/drawing/2014/main" id="{252CDD72-3FBC-2CCE-A8EF-6578F32ADBBE}"/>
+                <a16:creationId xmlns:a16="http://schemas.microsoft.com/office/drawing/2014/main" id="{63FDBBF3-2815-7F11-0E60-6B1103B7688D}"/>
               </a:ext>
             </a:extLst>
           </p:cNvPr>
@@ -2062,7 +2062,7 @@
           <a:bodyPr/>
           <a:lstStyle/>
           <a:p>
-            <a:fld id="{3BC6E5C0-0F85-4A01-B6F5-4A7DEC14C8BA}" type="datetimeFigureOut">
+            <a:fld id="{60019F77-1825-45EB-9F6F-B5852D060E99}" type="datetimeFigureOut">
               <a:rPr lang="zh-CN" altLang="en-US" smtClean="0"/>
               <a:t>2024/3/10</a:t>
             </a:fld>
@@ -2075,7 +2075,7 @@
           <p:cNvPr id="3" name="页脚占位符 2">
             <a:extLst>
               <a:ext uri="{FF2B5EF4-FFF2-40B4-BE49-F238E27FC236}">
-                <a16:creationId xmlns:a16="http://schemas.microsoft.com/office/drawing/2014/main" id="{022FAE74-E078-25FD-0338-274D2EB5F9A5}"/>
+                <a16:creationId xmlns:a16="http://schemas.microsoft.com/office/drawing/2014/main" id="{14041372-8982-1C3E-E9F7-F887AAA0C670}"/>
               </a:ext>
             </a:extLst>
           </p:cNvPr>
@@ -2100,7 +2100,7 @@
           <p:cNvPr id="4" name="灯片编号占位符 3">
             <a:extLst>
               <a:ext uri="{FF2B5EF4-FFF2-40B4-BE49-F238E27FC236}">
-                <a16:creationId xmlns:a16="http://schemas.microsoft.com/office/drawing/2014/main" id="{FC19BB8B-6CA5-7F3D-BC05-7B1852584510}"/>
+                <a16:creationId xmlns:a16="http://schemas.microsoft.com/office/drawing/2014/main" id="{DAAFEBF4-B5B7-FA60-8299-06B1D6E3BA1D}"/>
               </a:ext>
             </a:extLst>
           </p:cNvPr>
@@ -2116,7 +2116,7 @@
           <a:bodyPr/>
           <a:lstStyle/>
           <a:p>
-            <a:fld id="{FDA0E7C7-148B-4D8F-9251-0753C98D5BE6}" type="slidenum">
+            <a:fld id="{574B09F1-40CC-4D80-B9D2-26AB1B30DBB3}" type="slidenum">
               <a:rPr lang="zh-CN" altLang="en-US" smtClean="0"/>
               <a:t>‹#›</a:t>
             </a:fld>
@@ -2127,7 +2127,7 @@
     </p:spTree>
     <p:extLst>
       <p:ext uri="{BB962C8B-B14F-4D97-AF65-F5344CB8AC3E}">
-        <p14:creationId xmlns:p14="http://schemas.microsoft.com/office/powerpoint/2010/main" val="379716217"/>
+        <p14:creationId xmlns:p14="http://schemas.microsoft.com/office/powerpoint/2010/main" val="1648168784"/>
       </p:ext>
     </p:extLst>
   </p:cSld>
@@ -2159,7 +2159,7 @@
           <p:cNvPr id="2" name="标题 1">
             <a:extLst>
               <a:ext uri="{FF2B5EF4-FFF2-40B4-BE49-F238E27FC236}">
-                <a16:creationId xmlns:a16="http://schemas.microsoft.com/office/drawing/2014/main" id="{83CECB0C-5507-65B5-8203-7E869F223E36}"/>
+                <a16:creationId xmlns:a16="http://schemas.microsoft.com/office/drawing/2014/main" id="{FE7908A7-20B2-3D93-47EC-38611577FA7F}"/>
               </a:ext>
             </a:extLst>
           </p:cNvPr>
@@ -2196,7 +2196,7 @@
           <p:cNvPr id="3" name="内容占位符 2">
             <a:extLst>
               <a:ext uri="{FF2B5EF4-FFF2-40B4-BE49-F238E27FC236}">
-                <a16:creationId xmlns:a16="http://schemas.microsoft.com/office/drawing/2014/main" id="{9DE2329B-28F5-2FF4-9E59-41B8079A7CDC}"/>
+                <a16:creationId xmlns:a16="http://schemas.microsoft.com/office/drawing/2014/main" id="{790E5B9C-B06C-B785-D648-EAC006CFB5A9}"/>
               </a:ext>
             </a:extLst>
           </p:cNvPr>
@@ -2286,7 +2286,7 @@
           <p:cNvPr id="4" name="文本占位符 3">
             <a:extLst>
               <a:ext uri="{FF2B5EF4-FFF2-40B4-BE49-F238E27FC236}">
-                <a16:creationId xmlns:a16="http://schemas.microsoft.com/office/drawing/2014/main" id="{79ED7C16-F72B-510D-0B6F-6F90015FF758}"/>
+                <a16:creationId xmlns:a16="http://schemas.microsoft.com/office/drawing/2014/main" id="{698BC7E5-A267-4CF1-1D89-8F6EF81F57B3}"/>
               </a:ext>
             </a:extLst>
           </p:cNvPr>
@@ -2357,7 +2357,7 @@
           <p:cNvPr id="5" name="日期占位符 4">
             <a:extLst>
               <a:ext uri="{FF2B5EF4-FFF2-40B4-BE49-F238E27FC236}">
-                <a16:creationId xmlns:a16="http://schemas.microsoft.com/office/drawing/2014/main" id="{ED5D2FD4-A576-D718-FFE1-05A32E455A12}"/>
+                <a16:creationId xmlns:a16="http://schemas.microsoft.com/office/drawing/2014/main" id="{5CFED274-E3C2-E350-93C8-F946D75EF818}"/>
               </a:ext>
             </a:extLst>
           </p:cNvPr>
@@ -2373,7 +2373,7 @@
           <a:bodyPr/>
           <a:lstStyle/>
           <a:p>
-            <a:fld id="{3BC6E5C0-0F85-4A01-B6F5-4A7DEC14C8BA}" type="datetimeFigureOut">
+            <a:fld id="{60019F77-1825-45EB-9F6F-B5852D060E99}" type="datetimeFigureOut">
               <a:rPr lang="zh-CN" altLang="en-US" smtClean="0"/>
               <a:t>2024/3/10</a:t>
             </a:fld>
@@ -2386,7 +2386,7 @@
           <p:cNvPr id="6" name="页脚占位符 5">
             <a:extLst>
               <a:ext uri="{FF2B5EF4-FFF2-40B4-BE49-F238E27FC236}">
-                <a16:creationId xmlns:a16="http://schemas.microsoft.com/office/drawing/2014/main" id="{7C2D5F3A-0908-3A68-FEE7-C3A19B0C9466}"/>
+                <a16:creationId xmlns:a16="http://schemas.microsoft.com/office/drawing/2014/main" id="{0736DC12-DD8F-CEC6-3307-76CF50A53B81}"/>
               </a:ext>
             </a:extLst>
           </p:cNvPr>
@@ -2411,7 +2411,7 @@
           <p:cNvPr id="7" name="灯片编号占位符 6">
             <a:extLst>
               <a:ext uri="{FF2B5EF4-FFF2-40B4-BE49-F238E27FC236}">
-                <a16:creationId xmlns:a16="http://schemas.microsoft.com/office/drawing/2014/main" id="{F1628106-374A-3FE1-89D4-8EFBB5222486}"/>
+                <a16:creationId xmlns:a16="http://schemas.microsoft.com/office/drawing/2014/main" id="{0BA8198C-E4AF-30A6-E738-DAD1B0C75064}"/>
               </a:ext>
             </a:extLst>
           </p:cNvPr>
@@ -2427,7 +2427,7 @@
           <a:bodyPr/>
           <a:lstStyle/>
           <a:p>
-            <a:fld id="{FDA0E7C7-148B-4D8F-9251-0753C98D5BE6}" type="slidenum">
+            <a:fld id="{574B09F1-40CC-4D80-B9D2-26AB1B30DBB3}" type="slidenum">
               <a:rPr lang="zh-CN" altLang="en-US" smtClean="0"/>
               <a:t>‹#›</a:t>
             </a:fld>
@@ -2438,7 +2438,7 @@
     </p:spTree>
     <p:extLst>
       <p:ext uri="{BB962C8B-B14F-4D97-AF65-F5344CB8AC3E}">
-        <p14:creationId xmlns:p14="http://schemas.microsoft.com/office/powerpoint/2010/main" val="1756447531"/>
+        <p14:creationId xmlns:p14="http://schemas.microsoft.com/office/powerpoint/2010/main" val="2244035266"/>
       </p:ext>
     </p:extLst>
   </p:cSld>
@@ -2470,7 +2470,7 @@
           <p:cNvPr id="2" name="标题 1">
             <a:extLst>
               <a:ext uri="{FF2B5EF4-FFF2-40B4-BE49-F238E27FC236}">
-                <a16:creationId xmlns:a16="http://schemas.microsoft.com/office/drawing/2014/main" id="{79AE6DC1-C575-67FB-91EE-146BBF4C8014}"/>
+                <a16:creationId xmlns:a16="http://schemas.microsoft.com/office/drawing/2014/main" id="{B34EDAD3-69B8-8634-48DC-9408FBCB2284}"/>
               </a:ext>
             </a:extLst>
           </p:cNvPr>
@@ -2507,7 +2507,7 @@
           <p:cNvPr id="3" name="图片占位符 2">
             <a:extLst>
               <a:ext uri="{FF2B5EF4-FFF2-40B4-BE49-F238E27FC236}">
-                <a16:creationId xmlns:a16="http://schemas.microsoft.com/office/drawing/2014/main" id="{20CB38FF-EC9E-21B4-FCA7-731E8580DC63}"/>
+                <a16:creationId xmlns:a16="http://schemas.microsoft.com/office/drawing/2014/main" id="{3312EB8A-12CF-43CA-25CC-E78F976D0A9E}"/>
               </a:ext>
             </a:extLst>
           </p:cNvPr>
@@ -2574,7 +2574,7 @@
           <p:cNvPr id="4" name="文本占位符 3">
             <a:extLst>
               <a:ext uri="{FF2B5EF4-FFF2-40B4-BE49-F238E27FC236}">
-                <a16:creationId xmlns:a16="http://schemas.microsoft.com/office/drawing/2014/main" id="{57D4EBCF-F93D-AF9F-2D4B-79A816543098}"/>
+                <a16:creationId xmlns:a16="http://schemas.microsoft.com/office/drawing/2014/main" id="{F81E6087-0B38-E43F-FE54-53A020C19E80}"/>
               </a:ext>
             </a:extLst>
           </p:cNvPr>
@@ -2645,7 +2645,7 @@
           <p:cNvPr id="5" name="日期占位符 4">
             <a:extLst>
               <a:ext uri="{FF2B5EF4-FFF2-40B4-BE49-F238E27FC236}">
-                <a16:creationId xmlns:a16="http://schemas.microsoft.com/office/drawing/2014/main" id="{B4799036-E709-DA91-891E-0337BC4785D6}"/>
+                <a16:creationId xmlns:a16="http://schemas.microsoft.com/office/drawing/2014/main" id="{EA7E3A36-CE03-33F4-3E0C-0FBE755108EB}"/>
               </a:ext>
             </a:extLst>
           </p:cNvPr>
@@ -2661,7 +2661,7 @@
           <a:bodyPr/>
           <a:lstStyle/>
           <a:p>
-            <a:fld id="{3BC6E5C0-0F85-4A01-B6F5-4A7DEC14C8BA}" type="datetimeFigureOut">
+            <a:fld id="{60019F77-1825-45EB-9F6F-B5852D060E99}" type="datetimeFigureOut">
               <a:rPr lang="zh-CN" altLang="en-US" smtClean="0"/>
               <a:t>2024/3/10</a:t>
             </a:fld>
@@ -2674,7 +2674,7 @@
           <p:cNvPr id="6" name="页脚占位符 5">
             <a:extLst>
               <a:ext uri="{FF2B5EF4-FFF2-40B4-BE49-F238E27FC236}">
-                <a16:creationId xmlns:a16="http://schemas.microsoft.com/office/drawing/2014/main" id="{4EAC7E39-20E7-AED4-417A-7BF6F93C64D0}"/>
+                <a16:creationId xmlns:a16="http://schemas.microsoft.com/office/drawing/2014/main" id="{E37C63AA-27C4-ABB1-E048-DC4641B2EFD6}"/>
               </a:ext>
             </a:extLst>
           </p:cNvPr>
@@ -2699,7 +2699,7 @@
           <p:cNvPr id="7" name="灯片编号占位符 6">
             <a:extLst>
               <a:ext uri="{FF2B5EF4-FFF2-40B4-BE49-F238E27FC236}">
-                <a16:creationId xmlns:a16="http://schemas.microsoft.com/office/drawing/2014/main" id="{ECAA3E55-A80E-61D9-813F-33A4F702FD68}"/>
+                <a16:creationId xmlns:a16="http://schemas.microsoft.com/office/drawing/2014/main" id="{61A9E822-4644-011A-A576-653E31352CCC}"/>
               </a:ext>
             </a:extLst>
           </p:cNvPr>
@@ -2715,7 +2715,7 @@
           <a:bodyPr/>
           <a:lstStyle/>
           <a:p>
-            <a:fld id="{FDA0E7C7-148B-4D8F-9251-0753C98D5BE6}" type="slidenum">
+            <a:fld id="{574B09F1-40CC-4D80-B9D2-26AB1B30DBB3}" type="slidenum">
               <a:rPr lang="zh-CN" altLang="en-US" smtClean="0"/>
               <a:t>‹#›</a:t>
             </a:fld>
@@ -2726,7 +2726,7 @@
     </p:spTree>
     <p:extLst>
       <p:ext uri="{BB962C8B-B14F-4D97-AF65-F5344CB8AC3E}">
-        <p14:creationId xmlns:p14="http://schemas.microsoft.com/office/powerpoint/2010/main" val="2998713565"/>
+        <p14:creationId xmlns:p14="http://schemas.microsoft.com/office/powerpoint/2010/main" val="624324927"/>
       </p:ext>
     </p:extLst>
   </p:cSld>
@@ -2763,7 +2763,7 @@
           <p:cNvPr id="2" name="标题占位符 1">
             <a:extLst>
               <a:ext uri="{FF2B5EF4-FFF2-40B4-BE49-F238E27FC236}">
-                <a16:creationId xmlns:a16="http://schemas.microsoft.com/office/drawing/2014/main" id="{59DD2396-41A2-E3BD-325E-2B8CD349097F}"/>
+                <a16:creationId xmlns:a16="http://schemas.microsoft.com/office/drawing/2014/main" id="{7C5F6E08-7942-4016-A9DC-D215145AE9E8}"/>
               </a:ext>
             </a:extLst>
           </p:cNvPr>
@@ -2801,7 +2801,7 @@
           <p:cNvPr id="3" name="文本占位符 2">
             <a:extLst>
               <a:ext uri="{FF2B5EF4-FFF2-40B4-BE49-F238E27FC236}">
-                <a16:creationId xmlns:a16="http://schemas.microsoft.com/office/drawing/2014/main" id="{9C2D2F61-47FA-4F09-868D-1C2BCC25AA13}"/>
+                <a16:creationId xmlns:a16="http://schemas.microsoft.com/office/drawing/2014/main" id="{6ACC41E8-B2F0-8080-13D1-58872485C037}"/>
               </a:ext>
             </a:extLst>
           </p:cNvPr>
@@ -2868,7 +2868,7 @@
           <p:cNvPr id="4" name="日期占位符 3">
             <a:extLst>
               <a:ext uri="{FF2B5EF4-FFF2-40B4-BE49-F238E27FC236}">
-                <a16:creationId xmlns:a16="http://schemas.microsoft.com/office/drawing/2014/main" id="{24D5B2BD-0C79-D280-EAB7-8B38410FB56F}"/>
+                <a16:creationId xmlns:a16="http://schemas.microsoft.com/office/drawing/2014/main" id="{1A55B633-2B80-C2A2-964C-69BF6241D631}"/>
               </a:ext>
             </a:extLst>
           </p:cNvPr>
@@ -2902,7 +2902,7 @@
             </a:lvl1pPr>
           </a:lstStyle>
           <a:p>
-            <a:fld id="{3BC6E5C0-0F85-4A01-B6F5-4A7DEC14C8BA}" type="datetimeFigureOut">
+            <a:fld id="{60019F77-1825-45EB-9F6F-B5852D060E99}" type="datetimeFigureOut">
               <a:rPr lang="zh-CN" altLang="en-US" smtClean="0"/>
               <a:t>2024/3/10</a:t>
             </a:fld>
@@ -2915,7 +2915,7 @@
           <p:cNvPr id="5" name="页脚占位符 4">
             <a:extLst>
               <a:ext uri="{FF2B5EF4-FFF2-40B4-BE49-F238E27FC236}">
-                <a16:creationId xmlns:a16="http://schemas.microsoft.com/office/drawing/2014/main" id="{DC69E130-4FB7-C8A1-0E53-1FD48FDE3CA3}"/>
+                <a16:creationId xmlns:a16="http://schemas.microsoft.com/office/drawing/2014/main" id="{F33AB2C0-FF71-06FC-614D-57BE33685937}"/>
               </a:ext>
             </a:extLst>
           </p:cNvPr>
@@ -2958,7 +2958,7 @@
           <p:cNvPr id="6" name="灯片编号占位符 5">
             <a:extLst>
               <a:ext uri="{FF2B5EF4-FFF2-40B4-BE49-F238E27FC236}">
-                <a16:creationId xmlns:a16="http://schemas.microsoft.com/office/drawing/2014/main" id="{EE90E929-7753-5606-B2B0-5DAC687168F7}"/>
+                <a16:creationId xmlns:a16="http://schemas.microsoft.com/office/drawing/2014/main" id="{8152437A-A285-731B-85C0-814B12D6CE3D}"/>
               </a:ext>
             </a:extLst>
           </p:cNvPr>
@@ -2992,7 +2992,7 @@
             </a:lvl1pPr>
           </a:lstStyle>
           <a:p>
-            <a:fld id="{FDA0E7C7-148B-4D8F-9251-0753C98D5BE6}" type="slidenum">
+            <a:fld id="{574B09F1-40CC-4D80-B9D2-26AB1B30DBB3}" type="slidenum">
               <a:rPr lang="zh-CN" altLang="en-US" smtClean="0"/>
               <a:t>‹#›</a:t>
             </a:fld>
@@ -3003,7 +3003,7 @@
     </p:spTree>
     <p:extLst>
       <p:ext uri="{BB962C8B-B14F-4D97-AF65-F5344CB8AC3E}">
-        <p14:creationId xmlns:p14="http://schemas.microsoft.com/office/powerpoint/2010/main" val="1074173951"/>
+        <p14:creationId xmlns:p14="http://schemas.microsoft.com/office/powerpoint/2010/main" val="175288037"/>
       </p:ext>
     </p:extLst>
   </p:cSld>
